--- a/img/PPT-HoTYJ-website_imgs.pptx
+++ b/img/PPT-HoTYJ-website_imgs.pptx
@@ -7,6 +7,7 @@
   <p:sldIdLst>
     <p:sldId id="256" r:id="rId2"/>
     <p:sldId id="257" r:id="rId3"/>
+    <p:sldId id="258" r:id="rId4"/>
   </p:sldIdLst>
   <p:sldSz cx="9144000" cy="6858000" type="screen4x3"/>
   <p:notesSz cx="6858000" cy="9144000"/>
@@ -289,7 +290,7 @@
           <a:p>
             <a:fld id="{5EA38EC1-682D-484A-AE31-6414525D0C1C}" type="datetimeFigureOut">
               <a:rPr kumimoji="1" lang="zh-TW" altLang="en-US" smtClean="0"/>
-              <a:t>17/8/23</a:t>
+              <a:t>17/8/24</a:t>
             </a:fld>
             <a:endParaRPr kumimoji="1" lang="zh-TW" altLang="en-US"/>
           </a:p>
@@ -459,7 +460,7 @@
           <a:p>
             <a:fld id="{5EA38EC1-682D-484A-AE31-6414525D0C1C}" type="datetimeFigureOut">
               <a:rPr kumimoji="1" lang="zh-TW" altLang="en-US" smtClean="0"/>
-              <a:t>17/8/23</a:t>
+              <a:t>17/8/24</a:t>
             </a:fld>
             <a:endParaRPr kumimoji="1" lang="zh-TW" altLang="en-US"/>
           </a:p>
@@ -639,7 +640,7 @@
           <a:p>
             <a:fld id="{5EA38EC1-682D-484A-AE31-6414525D0C1C}" type="datetimeFigureOut">
               <a:rPr kumimoji="1" lang="zh-TW" altLang="en-US" smtClean="0"/>
-              <a:t>17/8/23</a:t>
+              <a:t>17/8/24</a:t>
             </a:fld>
             <a:endParaRPr kumimoji="1" lang="zh-TW" altLang="en-US"/>
           </a:p>
@@ -809,7 +810,7 @@
           <a:p>
             <a:fld id="{5EA38EC1-682D-484A-AE31-6414525D0C1C}" type="datetimeFigureOut">
               <a:rPr kumimoji="1" lang="zh-TW" altLang="en-US" smtClean="0"/>
-              <a:t>17/8/23</a:t>
+              <a:t>17/8/24</a:t>
             </a:fld>
             <a:endParaRPr kumimoji="1" lang="zh-TW" altLang="en-US"/>
           </a:p>
@@ -1055,7 +1056,7 @@
           <a:p>
             <a:fld id="{5EA38EC1-682D-484A-AE31-6414525D0C1C}" type="datetimeFigureOut">
               <a:rPr kumimoji="1" lang="zh-TW" altLang="en-US" smtClean="0"/>
-              <a:t>17/8/23</a:t>
+              <a:t>17/8/24</a:t>
             </a:fld>
             <a:endParaRPr kumimoji="1" lang="zh-TW" altLang="en-US"/>
           </a:p>
@@ -1343,7 +1344,7 @@
           <a:p>
             <a:fld id="{5EA38EC1-682D-484A-AE31-6414525D0C1C}" type="datetimeFigureOut">
               <a:rPr kumimoji="1" lang="zh-TW" altLang="en-US" smtClean="0"/>
-              <a:t>17/8/23</a:t>
+              <a:t>17/8/24</a:t>
             </a:fld>
             <a:endParaRPr kumimoji="1" lang="zh-TW" altLang="en-US"/>
           </a:p>
@@ -1765,7 +1766,7 @@
           <a:p>
             <a:fld id="{5EA38EC1-682D-484A-AE31-6414525D0C1C}" type="datetimeFigureOut">
               <a:rPr kumimoji="1" lang="zh-TW" altLang="en-US" smtClean="0"/>
-              <a:t>17/8/23</a:t>
+              <a:t>17/8/24</a:t>
             </a:fld>
             <a:endParaRPr kumimoji="1" lang="zh-TW" altLang="en-US"/>
           </a:p>
@@ -1883,7 +1884,7 @@
           <a:p>
             <a:fld id="{5EA38EC1-682D-484A-AE31-6414525D0C1C}" type="datetimeFigureOut">
               <a:rPr kumimoji="1" lang="zh-TW" altLang="en-US" smtClean="0"/>
-              <a:t>17/8/23</a:t>
+              <a:t>17/8/24</a:t>
             </a:fld>
             <a:endParaRPr kumimoji="1" lang="zh-TW" altLang="en-US"/>
           </a:p>
@@ -1978,7 +1979,7 @@
           <a:p>
             <a:fld id="{5EA38EC1-682D-484A-AE31-6414525D0C1C}" type="datetimeFigureOut">
               <a:rPr kumimoji="1" lang="zh-TW" altLang="en-US" smtClean="0"/>
-              <a:t>17/8/23</a:t>
+              <a:t>17/8/24</a:t>
             </a:fld>
             <a:endParaRPr kumimoji="1" lang="zh-TW" altLang="en-US"/>
           </a:p>
@@ -2255,7 +2256,7 @@
           <a:p>
             <a:fld id="{5EA38EC1-682D-484A-AE31-6414525D0C1C}" type="datetimeFigureOut">
               <a:rPr kumimoji="1" lang="zh-TW" altLang="en-US" smtClean="0"/>
-              <a:t>17/8/23</a:t>
+              <a:t>17/8/24</a:t>
             </a:fld>
             <a:endParaRPr kumimoji="1" lang="zh-TW" altLang="en-US"/>
           </a:p>
@@ -2508,7 +2509,7 @@
           <a:p>
             <a:fld id="{5EA38EC1-682D-484A-AE31-6414525D0C1C}" type="datetimeFigureOut">
               <a:rPr kumimoji="1" lang="zh-TW" altLang="en-US" smtClean="0"/>
-              <a:t>17/8/23</a:t>
+              <a:t>17/8/24</a:t>
             </a:fld>
             <a:endParaRPr kumimoji="1" lang="zh-TW" altLang="en-US"/>
           </a:p>
@@ -2721,7 +2722,7 @@
           <a:p>
             <a:fld id="{5EA38EC1-682D-484A-AE31-6414525D0C1C}" type="datetimeFigureOut">
               <a:rPr kumimoji="1" lang="zh-TW" altLang="en-US" smtClean="0"/>
-              <a:t>17/8/23</a:t>
+              <a:t>17/8/24</a:t>
             </a:fld>
             <a:endParaRPr kumimoji="1" lang="zh-TW" altLang="en-US"/>
           </a:p>
@@ -3219,6 +3220,112 @@
           </a:p>
         </p:txBody>
       </p:sp>
+      <p:sp>
+        <p:nvSpPr>
+          <p:cNvPr id="4" name="矩形 3"/>
+          <p:cNvSpPr/>
+          <p:nvPr/>
+        </p:nvSpPr>
+        <p:spPr>
+          <a:xfrm>
+            <a:off x="2121328" y="1150681"/>
+            <a:ext cx="6840334" cy="1323439"/>
+          </a:xfrm>
+          <a:prstGeom prst="rect">
+            <a:avLst/>
+          </a:prstGeom>
+        </p:spPr>
+        <p:txBody>
+          <a:bodyPr wrap="none">
+            <a:spAutoFit/>
+          </a:bodyPr>
+          <a:lstStyle/>
+          <a:p>
+            <a:r>
+              <a:rPr kumimoji="1" lang="en-US" altLang="zh-TW" sz="8000" b="1" dirty="0">
+                <a:solidFill>
+                  <a:schemeClr val="bg1"/>
+                </a:solidFill>
+                <a:effectLst>
+                  <a:outerShdw blurRad="50800" dist="38100" dir="2700000" algn="tl" rotWithShape="0">
+                    <a:schemeClr val="bg1">
+                      <a:lumMod val="50000"/>
+                      <a:alpha val="43000"/>
+                    </a:schemeClr>
+                  </a:outerShdw>
+                </a:effectLst>
+                <a:latin typeface="Xingkai SC Light"/>
+                <a:cs typeface="Xingkai SC Light"/>
+              </a:rPr>
+              <a:t>Ho </a:t>
+            </a:r>
+            <a:r>
+              <a:rPr kumimoji="1" lang="en-US" altLang="zh-TW" sz="6000" b="1" dirty="0" err="1">
+                <a:solidFill>
+                  <a:schemeClr val="bg1"/>
+                </a:solidFill>
+                <a:effectLst>
+                  <a:outerShdw blurRad="50800" dist="38100" dir="2700000" algn="tl" rotWithShape="0">
+                    <a:schemeClr val="bg1">
+                      <a:lumMod val="50000"/>
+                      <a:alpha val="43000"/>
+                    </a:schemeClr>
+                  </a:outerShdw>
+                </a:effectLst>
+                <a:latin typeface="Avenir Light"/>
+                <a:cs typeface="Avenir Light"/>
+              </a:rPr>
+              <a:t>Tien</a:t>
+            </a:r>
+            <a:r>
+              <a:rPr kumimoji="1" lang="en-US" altLang="zh-TW" sz="6000" b="1" dirty="0">
+                <a:solidFill>
+                  <a:schemeClr val="bg1"/>
+                </a:solidFill>
+                <a:effectLst>
+                  <a:outerShdw blurRad="50800" dist="38100" dir="2700000" algn="tl" rotWithShape="0">
+                    <a:schemeClr val="bg1">
+                      <a:lumMod val="50000"/>
+                      <a:alpha val="43000"/>
+                    </a:schemeClr>
+                  </a:outerShdw>
+                </a:effectLst>
+                <a:latin typeface="Avenir Light"/>
+                <a:cs typeface="Avenir Light"/>
+              </a:rPr>
+              <a:t> Yu </a:t>
+            </a:r>
+            <a:r>
+              <a:rPr kumimoji="1" lang="en-US" altLang="zh-TW" sz="8000" b="1" dirty="0">
+                <a:solidFill>
+                  <a:schemeClr val="bg1"/>
+                </a:solidFill>
+                <a:effectLst>
+                  <a:outerShdw blurRad="50800" dist="38100" dir="2700000" algn="tl" rotWithShape="0">
+                    <a:schemeClr val="bg1">
+                      <a:lumMod val="50000"/>
+                      <a:alpha val="43000"/>
+                    </a:schemeClr>
+                  </a:outerShdw>
+                </a:effectLst>
+                <a:latin typeface="Xingkai SC Light"/>
+                <a:cs typeface="Xingkai SC Light"/>
+              </a:rPr>
+              <a:t>Jessica</a:t>
+            </a:r>
+            <a:endParaRPr lang="zh-TW" altLang="en-US" sz="8000" dirty="0">
+              <a:effectLst>
+                <a:outerShdw blurRad="50800" dist="38100" dir="2700000" algn="tl" rotWithShape="0">
+                  <a:schemeClr val="bg1">
+                    <a:lumMod val="50000"/>
+                    <a:alpha val="43000"/>
+                  </a:schemeClr>
+                </a:outerShdw>
+              </a:effectLst>
+            </a:endParaRPr>
+          </a:p>
+        </p:txBody>
+      </p:sp>
     </p:spTree>
     <p:extLst>
       <p:ext uri="{BB962C8B-B14F-4D97-AF65-F5344CB8AC3E}">
@@ -3320,6 +3427,271 @@
     <p:extLst>
       <p:ext uri="{BB962C8B-B14F-4D97-AF65-F5344CB8AC3E}">
         <p14:creationId xmlns:p14="http://schemas.microsoft.com/office/powerpoint/2010/main" val="3427213521"/>
+      </p:ext>
+    </p:extLst>
+  </p:cSld>
+  <p:clrMapOvr>
+    <a:masterClrMapping/>
+  </p:clrMapOvr>
+</p:sld>
+</file>
+
+<file path=ppt/slides/slide3.xml><?xml version="1.0" encoding="utf-8"?>
+<p:sld xmlns:a="http://schemas.openxmlformats.org/drawingml/2006/main" xmlns:r="http://schemas.openxmlformats.org/officeDocument/2006/relationships" xmlns:p="http://schemas.openxmlformats.org/presentationml/2006/main">
+  <p:cSld>
+    <p:spTree>
+      <p:nvGrpSpPr>
+        <p:cNvPr id="1" name=""/>
+        <p:cNvGrpSpPr/>
+        <p:nvPr/>
+      </p:nvGrpSpPr>
+      <p:grpSpPr>
+        <a:xfrm>
+          <a:off x="0" y="0"/>
+          <a:ext cx="0" cy="0"/>
+          <a:chOff x="0" y="0"/>
+          <a:chExt cx="0" cy="0"/>
+        </a:xfrm>
+      </p:grpSpPr>
+      <p:grpSp>
+        <p:nvGrpSpPr>
+          <p:cNvPr id="4" name="群組 3"/>
+          <p:cNvGrpSpPr/>
+          <p:nvPr/>
+        </p:nvGrpSpPr>
+        <p:grpSpPr>
+          <a:xfrm>
+            <a:off x="2381622" y="844284"/>
+            <a:ext cx="5025779" cy="4905702"/>
+            <a:chOff x="2381622" y="844284"/>
+            <a:chExt cx="5025779" cy="4905702"/>
+          </a:xfrm>
+        </p:grpSpPr>
+        <p:sp>
+          <p:nvSpPr>
+            <p:cNvPr id="5" name="橢圓 4"/>
+            <p:cNvSpPr/>
+            <p:nvPr/>
+          </p:nvSpPr>
+          <p:spPr>
+            <a:xfrm>
+              <a:off x="2734511" y="1164906"/>
+              <a:ext cx="4320000" cy="4320000"/>
+            </a:xfrm>
+            <a:prstGeom prst="ellipse">
+              <a:avLst/>
+            </a:prstGeom>
+            <a:noFill/>
+            <a:ln>
+              <a:solidFill>
+                <a:schemeClr val="tx1"/>
+              </a:solidFill>
+            </a:ln>
+          </p:spPr>
+          <p:style>
+            <a:lnRef idx="1">
+              <a:schemeClr val="accent1"/>
+            </a:lnRef>
+            <a:fillRef idx="3">
+              <a:schemeClr val="accent1"/>
+            </a:fillRef>
+            <a:effectRef idx="2">
+              <a:schemeClr val="accent1"/>
+            </a:effectRef>
+            <a:fontRef idx="minor">
+              <a:schemeClr val="lt1"/>
+            </a:fontRef>
+          </p:style>
+          <p:txBody>
+            <a:bodyPr rtlCol="0" anchor="ctr"/>
+            <a:lstStyle/>
+            <a:p>
+              <a:pPr algn="ctr"/>
+              <a:endParaRPr kumimoji="1" lang="zh-TW" altLang="en-US"/>
+            </a:p>
+          </p:txBody>
+        </p:sp>
+        <p:sp>
+          <p:nvSpPr>
+            <p:cNvPr id="6" name="橢圓 5"/>
+            <p:cNvSpPr/>
+            <p:nvPr/>
+          </p:nvSpPr>
+          <p:spPr>
+            <a:xfrm>
+              <a:off x="3087401" y="1164906"/>
+              <a:ext cx="4320000" cy="4320000"/>
+            </a:xfrm>
+            <a:prstGeom prst="ellipse">
+              <a:avLst/>
+            </a:prstGeom>
+            <a:noFill/>
+            <a:ln>
+              <a:solidFill>
+                <a:schemeClr val="tx1"/>
+              </a:solidFill>
+            </a:ln>
+          </p:spPr>
+          <p:style>
+            <a:lnRef idx="1">
+              <a:schemeClr val="accent1"/>
+            </a:lnRef>
+            <a:fillRef idx="3">
+              <a:schemeClr val="accent1"/>
+            </a:fillRef>
+            <a:effectRef idx="2">
+              <a:schemeClr val="accent1"/>
+            </a:effectRef>
+            <a:fontRef idx="minor">
+              <a:schemeClr val="lt1"/>
+            </a:fontRef>
+          </p:style>
+          <p:txBody>
+            <a:bodyPr rtlCol="0" anchor="ctr"/>
+            <a:lstStyle/>
+            <a:p>
+              <a:pPr algn="ctr"/>
+              <a:endParaRPr kumimoji="1" lang="zh-TW" altLang="en-US"/>
+            </a:p>
+          </p:txBody>
+        </p:sp>
+        <p:sp>
+          <p:nvSpPr>
+            <p:cNvPr id="7" name="橢圓 6"/>
+            <p:cNvSpPr/>
+            <p:nvPr/>
+          </p:nvSpPr>
+          <p:spPr>
+            <a:xfrm>
+              <a:off x="2381622" y="1164906"/>
+              <a:ext cx="4320000" cy="4320000"/>
+            </a:xfrm>
+            <a:prstGeom prst="ellipse">
+              <a:avLst/>
+            </a:prstGeom>
+            <a:noFill/>
+            <a:ln>
+              <a:solidFill>
+                <a:schemeClr val="tx1"/>
+              </a:solidFill>
+            </a:ln>
+          </p:spPr>
+          <p:style>
+            <a:lnRef idx="1">
+              <a:schemeClr val="accent1"/>
+            </a:lnRef>
+            <a:fillRef idx="3">
+              <a:schemeClr val="accent1"/>
+            </a:fillRef>
+            <a:effectRef idx="2">
+              <a:schemeClr val="accent1"/>
+            </a:effectRef>
+            <a:fontRef idx="minor">
+              <a:schemeClr val="lt1"/>
+            </a:fontRef>
+          </p:style>
+          <p:txBody>
+            <a:bodyPr rtlCol="0" anchor="ctr"/>
+            <a:lstStyle/>
+            <a:p>
+              <a:pPr algn="ctr"/>
+              <a:endParaRPr kumimoji="1" lang="zh-TW" altLang="en-US"/>
+            </a:p>
+          </p:txBody>
+        </p:sp>
+        <p:sp>
+          <p:nvSpPr>
+            <p:cNvPr id="8" name="橢圓 7"/>
+            <p:cNvSpPr/>
+            <p:nvPr/>
+          </p:nvSpPr>
+          <p:spPr>
+            <a:xfrm rot="5400000">
+              <a:off x="2749600" y="1429986"/>
+              <a:ext cx="4320000" cy="4320000"/>
+            </a:xfrm>
+            <a:prstGeom prst="ellipse">
+              <a:avLst/>
+            </a:prstGeom>
+            <a:noFill/>
+            <a:ln>
+              <a:solidFill>
+                <a:schemeClr val="tx1"/>
+              </a:solidFill>
+            </a:ln>
+          </p:spPr>
+          <p:style>
+            <a:lnRef idx="1">
+              <a:schemeClr val="accent1"/>
+            </a:lnRef>
+            <a:fillRef idx="3">
+              <a:schemeClr val="accent1"/>
+            </a:fillRef>
+            <a:effectRef idx="2">
+              <a:schemeClr val="accent1"/>
+            </a:effectRef>
+            <a:fontRef idx="minor">
+              <a:schemeClr val="lt1"/>
+            </a:fontRef>
+          </p:style>
+          <p:txBody>
+            <a:bodyPr rtlCol="0" anchor="ctr"/>
+            <a:lstStyle/>
+            <a:p>
+              <a:pPr algn="ctr"/>
+              <a:endParaRPr kumimoji="1" lang="zh-TW" altLang="en-US"/>
+            </a:p>
+          </p:txBody>
+        </p:sp>
+        <p:sp>
+          <p:nvSpPr>
+            <p:cNvPr id="9" name="橢圓 8"/>
+            <p:cNvSpPr/>
+            <p:nvPr/>
+          </p:nvSpPr>
+          <p:spPr>
+            <a:xfrm rot="5400000">
+              <a:off x="2749600" y="844284"/>
+              <a:ext cx="4320000" cy="4320000"/>
+            </a:xfrm>
+            <a:prstGeom prst="ellipse">
+              <a:avLst/>
+            </a:prstGeom>
+            <a:noFill/>
+            <a:ln>
+              <a:solidFill>
+                <a:schemeClr val="tx1"/>
+              </a:solidFill>
+            </a:ln>
+          </p:spPr>
+          <p:style>
+            <a:lnRef idx="1">
+              <a:schemeClr val="accent1"/>
+            </a:lnRef>
+            <a:fillRef idx="3">
+              <a:schemeClr val="accent1"/>
+            </a:fillRef>
+            <a:effectRef idx="2">
+              <a:schemeClr val="accent1"/>
+            </a:effectRef>
+            <a:fontRef idx="minor">
+              <a:schemeClr val="lt1"/>
+            </a:fontRef>
+          </p:style>
+          <p:txBody>
+            <a:bodyPr rtlCol="0" anchor="ctr"/>
+            <a:lstStyle/>
+            <a:p>
+              <a:pPr algn="ctr"/>
+              <a:endParaRPr kumimoji="1" lang="zh-TW" altLang="en-US"/>
+            </a:p>
+          </p:txBody>
+        </p:sp>
+      </p:grpSp>
+    </p:spTree>
+    <p:extLst>
+      <p:ext uri="{BB962C8B-B14F-4D97-AF65-F5344CB8AC3E}">
+        <p14:creationId xmlns:p14="http://schemas.microsoft.com/office/powerpoint/2010/main" val="2986519869"/>
       </p:ext>
     </p:extLst>
   </p:cSld>
